--- a/Modules/Module 1 - Intro to Linux/Module 1 - Intro to Linux.pptx
+++ b/Modules/Module 1 - Intro to Linux/Module 1 - Intro to Linux.pptx
@@ -129,15 +129,12 @@
       </a:defRPr>
     </a:lvl9pPr>
   </p:defaultTextStyle>
+  <p:extLst>
+    <p:ext uri="{EFAFB233-063F-42B5-8137-9DF3F51BA10A}">
+      <p15:sldGuideLst xmlns:p15="http://schemas.microsoft.com/office/powerpoint/2012/main"/>
+    </p:ext>
+  </p:extLst>
 </p:presentation>
-</file>
-
-<file path=ppt/revisionInfo.xml><?xml version="1.0" encoding="utf-8"?>
-<p1510:revInfo xmlns:a="http://schemas.openxmlformats.org/drawingml/2006/main" xmlns:r="http://schemas.openxmlformats.org/officeDocument/2006/relationships" xmlns:p1510="http://schemas.microsoft.com/office/powerpoint/2015/10/main">
-  <p1510:revLst>
-    <p1510:client id="{38B912E6-9349-42C0-AFEB-606BA7839F99}" v="368" dt="2018-06-21T15:14:57.062"/>
-  </p1510:revLst>
-</p1510:revInfo>
 </file>
 
 <file path=ppt/changesInfos/changesInfo1.xml><?xml version="1.0" encoding="utf-8"?>
@@ -1051,7 +1048,7 @@
           <a:p>
             <a:fld id="{046C37DF-BA0D-4321-BDF0-9CD6CFBC9CFD}" type="datetimeFigureOut">
               <a:rPr lang="en-US" smtClean="0"/>
-              <a:t>6/21/2018</a:t>
+              <a:t>9/6/2018</a:t>
             </a:fld>
             <a:endParaRPr lang="en-US"/>
           </a:p>
@@ -4505,7 +4502,7 @@
           <a:noFill/>
           <a:extLst>
             <a:ext uri="{909E8E84-426E-40dd-AFC4-6F175D3DCCD1}">
-              <a14:hiddenFill xmlns:a14="http://schemas.microsoft.com/office/drawing/2010/main" xmlns="">
+              <a14:hiddenFill xmlns="" xmlns:a14="http://schemas.microsoft.com/office/drawing/2010/main">
                 <a:solidFill>
                   <a:srgbClr val="FFFFFF"/>
                 </a:solidFill>
@@ -4564,7 +4561,7 @@
             </a:ln>
             <a:extLst>
               <a:ext uri="{91240B29-F687-4f45-9708-019B960494DF}">
-                <a14:hiddenLine xmlns:a14="http://schemas.microsoft.com/office/drawing/2010/main" xmlns="" w="9525">
+                <a14:hiddenLine xmlns="" xmlns:a14="http://schemas.microsoft.com/office/drawing/2010/main" w="9525">
                   <a:solidFill>
                     <a:srgbClr val="000000"/>
                   </a:solidFill>
@@ -4654,7 +4651,7 @@
             </a:ln>
             <a:extLst>
               <a:ext uri="{91240B29-F687-4f45-9708-019B960494DF}">
-                <a14:hiddenLine xmlns:a14="http://schemas.microsoft.com/office/drawing/2010/main" xmlns="" w="9525">
+                <a14:hiddenLine xmlns="" xmlns:a14="http://schemas.microsoft.com/office/drawing/2010/main" w="9525">
                   <a:solidFill>
                     <a:srgbClr val="000000"/>
                   </a:solidFill>
@@ -4744,7 +4741,7 @@
             </a:ln>
             <a:extLst>
               <a:ext uri="{91240B29-F687-4f45-9708-019B960494DF}">
-                <a14:hiddenLine xmlns:a14="http://schemas.microsoft.com/office/drawing/2010/main" xmlns="" w="9525">
+                <a14:hiddenLine xmlns="" xmlns:a14="http://schemas.microsoft.com/office/drawing/2010/main" w="9525">
                   <a:solidFill>
                     <a:srgbClr val="000000"/>
                   </a:solidFill>
@@ -4778,7 +4775,7 @@
             </a:ln>
             <a:extLst>
               <a:ext uri="{91240B29-F687-4f45-9708-019B960494DF}">
-                <a14:hiddenLine xmlns:a14="http://schemas.microsoft.com/office/drawing/2010/main" xmlns="" w="9525">
+                <a14:hiddenLine xmlns="" xmlns:a14="http://schemas.microsoft.com/office/drawing/2010/main" w="9525">
                   <a:solidFill>
                     <a:srgbClr val="000000"/>
                   </a:solidFill>
@@ -4868,7 +4865,7 @@
             </a:ln>
             <a:extLst>
               <a:ext uri="{91240B29-F687-4f45-9708-019B960494DF}">
-                <a14:hiddenLine xmlns:a14="http://schemas.microsoft.com/office/drawing/2010/main" xmlns="" w="9525">
+                <a14:hiddenLine xmlns="" xmlns:a14="http://schemas.microsoft.com/office/drawing/2010/main" w="9525">
                   <a:solidFill>
                     <a:srgbClr val="000000"/>
                   </a:solidFill>
@@ -4930,7 +4927,7 @@
             </a:ln>
             <a:extLst>
               <a:ext uri="{91240B29-F687-4f45-9708-019B960494DF}">
-                <a14:hiddenLine xmlns:a14="http://schemas.microsoft.com/office/drawing/2010/main" xmlns="" w="9525">
+                <a14:hiddenLine xmlns="" xmlns:a14="http://schemas.microsoft.com/office/drawing/2010/main" w="9525">
                   <a:solidFill>
                     <a:srgbClr val="000000"/>
                   </a:solidFill>
@@ -4992,7 +4989,7 @@
             </a:ln>
             <a:extLst>
               <a:ext uri="{91240B29-F687-4f45-9708-019B960494DF}">
-                <a14:hiddenLine xmlns:a14="http://schemas.microsoft.com/office/drawing/2010/main" xmlns="" w="9525">
+                <a14:hiddenLine xmlns="" xmlns:a14="http://schemas.microsoft.com/office/drawing/2010/main" w="9525">
                   <a:solidFill>
                     <a:srgbClr val="000000"/>
                   </a:solidFill>
@@ -5082,7 +5079,7 @@
             </a:ln>
             <a:extLst>
               <a:ext uri="{91240B29-F687-4f45-9708-019B960494DF}">
-                <a14:hiddenLine xmlns:a14="http://schemas.microsoft.com/office/drawing/2010/main" xmlns="" w="9525">
+                <a14:hiddenLine xmlns="" xmlns:a14="http://schemas.microsoft.com/office/drawing/2010/main" w="9525">
                   <a:solidFill>
                     <a:srgbClr val="000000"/>
                   </a:solidFill>
@@ -5144,7 +5141,7 @@
             </a:ln>
             <a:extLst>
               <a:ext uri="{91240B29-F687-4f45-9708-019B960494DF}">
-                <a14:hiddenLine xmlns:a14="http://schemas.microsoft.com/office/drawing/2010/main" xmlns="" w="9525">
+                <a14:hiddenLine xmlns="" xmlns:a14="http://schemas.microsoft.com/office/drawing/2010/main" w="9525">
                   <a:solidFill>
                     <a:srgbClr val="000000"/>
                   </a:solidFill>
@@ -5206,7 +5203,7 @@
             </a:ln>
             <a:extLst>
               <a:ext uri="{91240B29-F687-4f45-9708-019B960494DF}">
-                <a14:hiddenLine xmlns:a14="http://schemas.microsoft.com/office/drawing/2010/main" xmlns="" w="9525">
+                <a14:hiddenLine xmlns="" xmlns:a14="http://schemas.microsoft.com/office/drawing/2010/main" w="9525">
                   <a:solidFill>
                     <a:srgbClr val="000000"/>
                   </a:solidFill>
@@ -5296,7 +5293,7 @@
             </a:ln>
             <a:extLst>
               <a:ext uri="{91240B29-F687-4f45-9708-019B960494DF}">
-                <a14:hiddenLine xmlns:a14="http://schemas.microsoft.com/office/drawing/2010/main" xmlns="" w="9525">
+                <a14:hiddenLine xmlns="" xmlns:a14="http://schemas.microsoft.com/office/drawing/2010/main" w="9525">
                   <a:solidFill>
                     <a:srgbClr val="000000"/>
                   </a:solidFill>
@@ -5386,7 +5383,7 @@
             </a:ln>
             <a:extLst>
               <a:ext uri="{91240B29-F687-4f45-9708-019B960494DF}">
-                <a14:hiddenLine xmlns:a14="http://schemas.microsoft.com/office/drawing/2010/main" xmlns="" w="9525">
+                <a14:hiddenLine xmlns="" xmlns:a14="http://schemas.microsoft.com/office/drawing/2010/main" w="9525">
                   <a:solidFill>
                     <a:srgbClr val="000000"/>
                   </a:solidFill>
@@ -5448,7 +5445,7 @@
             </a:ln>
             <a:extLst>
               <a:ext uri="{91240B29-F687-4f45-9708-019B960494DF}">
-                <a14:hiddenLine xmlns:a14="http://schemas.microsoft.com/office/drawing/2010/main" xmlns="" w="9525">
+                <a14:hiddenLine xmlns="" xmlns:a14="http://schemas.microsoft.com/office/drawing/2010/main" w="9525">
                   <a:solidFill>
                     <a:srgbClr val="000000"/>
                   </a:solidFill>
@@ -5558,7 +5555,7 @@
             </a:ln>
             <a:extLst>
               <a:ext uri="{91240B29-F687-4f45-9708-019B960494DF}">
-                <a14:hiddenLine xmlns:a14="http://schemas.microsoft.com/office/drawing/2010/main" xmlns="" w="9525">
+                <a14:hiddenLine xmlns="" xmlns:a14="http://schemas.microsoft.com/office/drawing/2010/main" w="9525">
                   <a:solidFill>
                     <a:srgbClr val="000000"/>
                   </a:solidFill>
@@ -5620,7 +5617,7 @@
             </a:ln>
             <a:extLst>
               <a:ext uri="{91240B29-F687-4f45-9708-019B960494DF}">
-                <a14:hiddenLine xmlns:a14="http://schemas.microsoft.com/office/drawing/2010/main" xmlns="" w="9525">
+                <a14:hiddenLine xmlns="" xmlns:a14="http://schemas.microsoft.com/office/drawing/2010/main" w="9525">
                   <a:solidFill>
                     <a:srgbClr val="000000"/>
                   </a:solidFill>
@@ -5710,7 +5707,7 @@
             </a:ln>
             <a:extLst>
               <a:ext uri="{91240B29-F687-4f45-9708-019B960494DF}">
-                <a14:hiddenLine xmlns:a14="http://schemas.microsoft.com/office/drawing/2010/main" xmlns="" w="9525">
+                <a14:hiddenLine xmlns="" xmlns:a14="http://schemas.microsoft.com/office/drawing/2010/main" w="9525">
                   <a:solidFill>
                     <a:srgbClr val="000000"/>
                   </a:solidFill>
@@ -5800,7 +5797,7 @@
             </a:ln>
             <a:extLst>
               <a:ext uri="{91240B29-F687-4f45-9708-019B960494DF}">
-                <a14:hiddenLine xmlns:a14="http://schemas.microsoft.com/office/drawing/2010/main" xmlns="" w="9525">
+                <a14:hiddenLine xmlns="" xmlns:a14="http://schemas.microsoft.com/office/drawing/2010/main" w="9525">
                   <a:solidFill>
                     <a:srgbClr val="000000"/>
                   </a:solidFill>
@@ -5862,7 +5859,7 @@
             </a:ln>
             <a:extLst>
               <a:ext uri="{91240B29-F687-4f45-9708-019B960494DF}">
-                <a14:hiddenLine xmlns:a14="http://schemas.microsoft.com/office/drawing/2010/main" xmlns="" w="9525">
+                <a14:hiddenLine xmlns="" xmlns:a14="http://schemas.microsoft.com/office/drawing/2010/main" w="9525">
                   <a:solidFill>
                     <a:srgbClr val="000000"/>
                   </a:solidFill>
@@ -5952,7 +5949,7 @@
             </a:ln>
             <a:extLst>
               <a:ext uri="{91240B29-F687-4f45-9708-019B960494DF}">
-                <a14:hiddenLine xmlns:a14="http://schemas.microsoft.com/office/drawing/2010/main" xmlns="" w="9525">
+                <a14:hiddenLine xmlns="" xmlns:a14="http://schemas.microsoft.com/office/drawing/2010/main" w="9525">
                   <a:solidFill>
                     <a:srgbClr val="000000"/>
                   </a:solidFill>
@@ -6042,7 +6039,7 @@
             </a:ln>
             <a:extLst>
               <a:ext uri="{91240B29-F687-4f45-9708-019B960494DF}">
-                <a14:hiddenLine xmlns:a14="http://schemas.microsoft.com/office/drawing/2010/main" xmlns="" w="9525">
+                <a14:hiddenLine xmlns="" xmlns:a14="http://schemas.microsoft.com/office/drawing/2010/main" w="9525">
                   <a:solidFill>
                     <a:srgbClr val="000000"/>
                   </a:solidFill>
@@ -6098,7 +6095,7 @@
             </a:ln>
             <a:extLst>
               <a:ext uri="{91240B29-F687-4f45-9708-019B960494DF}">
-                <a14:hiddenLine xmlns:a14="http://schemas.microsoft.com/office/drawing/2010/main" xmlns="" w="9525">
+                <a14:hiddenLine xmlns="" xmlns:a14="http://schemas.microsoft.com/office/drawing/2010/main" w="9525">
                   <a:solidFill>
                     <a:srgbClr val="000000"/>
                   </a:solidFill>
@@ -6188,7 +6185,7 @@
             </a:ln>
             <a:extLst>
               <a:ext uri="{91240B29-F687-4f45-9708-019B960494DF}">
-                <a14:hiddenLine xmlns:a14="http://schemas.microsoft.com/office/drawing/2010/main" xmlns="" w="9525">
+                <a14:hiddenLine xmlns="" xmlns:a14="http://schemas.microsoft.com/office/drawing/2010/main" w="9525">
                   <a:solidFill>
                     <a:srgbClr val="000000"/>
                   </a:solidFill>
@@ -6244,7 +6241,7 @@
             </a:ln>
             <a:extLst>
               <a:ext uri="{91240B29-F687-4f45-9708-019B960494DF}">
-                <a14:hiddenLine xmlns:a14="http://schemas.microsoft.com/office/drawing/2010/main" xmlns="" w="9525">
+                <a14:hiddenLine xmlns="" xmlns:a14="http://schemas.microsoft.com/office/drawing/2010/main" w="9525">
                   <a:solidFill>
                     <a:srgbClr val="000000"/>
                   </a:solidFill>
@@ -6334,7 +6331,7 @@
             </a:ln>
             <a:extLst>
               <a:ext uri="{91240B29-F687-4f45-9708-019B960494DF}">
-                <a14:hiddenLine xmlns:a14="http://schemas.microsoft.com/office/drawing/2010/main" xmlns="" w="9525">
+                <a14:hiddenLine xmlns="" xmlns:a14="http://schemas.microsoft.com/office/drawing/2010/main" w="9525">
                   <a:solidFill>
                     <a:srgbClr val="000000"/>
                   </a:solidFill>
@@ -6402,7 +6399,7 @@
             </a:ln>
             <a:extLst>
               <a:ext uri="{91240B29-F687-4f45-9708-019B960494DF}">
-                <a14:hiddenLine xmlns:a14="http://schemas.microsoft.com/office/drawing/2010/main" xmlns="" w="9525">
+                <a14:hiddenLine xmlns="" xmlns:a14="http://schemas.microsoft.com/office/drawing/2010/main" w="9525">
                   <a:solidFill>
                     <a:srgbClr val="000000"/>
                   </a:solidFill>
@@ -6492,7 +6489,7 @@
             </a:ln>
             <a:extLst>
               <a:ext uri="{91240B29-F687-4f45-9708-019B960494DF}">
-                <a14:hiddenLine xmlns:a14="http://schemas.microsoft.com/office/drawing/2010/main" xmlns="" w="9525">
+                <a14:hiddenLine xmlns="" xmlns:a14="http://schemas.microsoft.com/office/drawing/2010/main" w="9525">
                   <a:solidFill>
                     <a:srgbClr val="000000"/>
                   </a:solidFill>
@@ -6560,7 +6557,7 @@
             </a:ln>
             <a:extLst>
               <a:ext uri="{91240B29-F687-4f45-9708-019B960494DF}">
-                <a14:hiddenLine xmlns:a14="http://schemas.microsoft.com/office/drawing/2010/main" xmlns="" w="9525">
+                <a14:hiddenLine xmlns="" xmlns:a14="http://schemas.microsoft.com/office/drawing/2010/main" w="9525">
                   <a:solidFill>
                     <a:srgbClr val="000000"/>
                   </a:solidFill>
@@ -6650,7 +6647,7 @@
             </a:ln>
             <a:extLst>
               <a:ext uri="{91240B29-F687-4f45-9708-019B960494DF}">
-                <a14:hiddenLine xmlns:a14="http://schemas.microsoft.com/office/drawing/2010/main" xmlns="" w="9525">
+                <a14:hiddenLine xmlns="" xmlns:a14="http://schemas.microsoft.com/office/drawing/2010/main" w="9525">
                   <a:solidFill>
                     <a:srgbClr val="000000"/>
                   </a:solidFill>
@@ -6684,7 +6681,7 @@
             </a:ln>
             <a:extLst>
               <a:ext uri="{91240B29-F687-4f45-9708-019B960494DF}">
-                <a14:hiddenLine xmlns:a14="http://schemas.microsoft.com/office/drawing/2010/main" xmlns="" w="9525">
+                <a14:hiddenLine xmlns="" xmlns:a14="http://schemas.microsoft.com/office/drawing/2010/main" w="9525">
                   <a:solidFill>
                     <a:srgbClr val="000000"/>
                   </a:solidFill>
@@ -6774,7 +6771,7 @@
             </a:ln>
             <a:extLst>
               <a:ext uri="{91240B29-F687-4f45-9708-019B960494DF}">
-                <a14:hiddenLine xmlns:a14="http://schemas.microsoft.com/office/drawing/2010/main" xmlns="" w="9525">
+                <a14:hiddenLine xmlns="" xmlns:a14="http://schemas.microsoft.com/office/drawing/2010/main" w="9525">
                   <a:solidFill>
                     <a:srgbClr val="000000"/>
                   </a:solidFill>
@@ -6836,7 +6833,7 @@
             </a:ln>
             <a:extLst>
               <a:ext uri="{91240B29-F687-4f45-9708-019B960494DF}">
-                <a14:hiddenLine xmlns:a14="http://schemas.microsoft.com/office/drawing/2010/main" xmlns="" w="9525">
+                <a14:hiddenLine xmlns="" xmlns:a14="http://schemas.microsoft.com/office/drawing/2010/main" w="9525">
                   <a:solidFill>
                     <a:srgbClr val="000000"/>
                   </a:solidFill>
@@ -6898,7 +6895,7 @@
             </a:ln>
             <a:extLst>
               <a:ext uri="{91240B29-F687-4f45-9708-019B960494DF}">
-                <a14:hiddenLine xmlns:a14="http://schemas.microsoft.com/office/drawing/2010/main" xmlns="" w="9525">
+                <a14:hiddenLine xmlns="" xmlns:a14="http://schemas.microsoft.com/office/drawing/2010/main" w="9525">
                   <a:solidFill>
                     <a:srgbClr val="000000"/>
                   </a:solidFill>
@@ -6988,7 +6985,7 @@
             </a:ln>
             <a:extLst>
               <a:ext uri="{91240B29-F687-4f45-9708-019B960494DF}">
-                <a14:hiddenLine xmlns:a14="http://schemas.microsoft.com/office/drawing/2010/main" xmlns="" w="9525">
+                <a14:hiddenLine xmlns="" xmlns:a14="http://schemas.microsoft.com/office/drawing/2010/main" w="9525">
                   <a:solidFill>
                     <a:srgbClr val="000000"/>
                   </a:solidFill>
@@ -7056,7 +7053,7 @@
             </a:ln>
             <a:extLst>
               <a:ext uri="{91240B29-F687-4f45-9708-019B960494DF}">
-                <a14:hiddenLine xmlns:a14="http://schemas.microsoft.com/office/drawing/2010/main" xmlns="" w="9525">
+                <a14:hiddenLine xmlns="" xmlns:a14="http://schemas.microsoft.com/office/drawing/2010/main" w="9525">
                   <a:solidFill>
                     <a:srgbClr val="000000"/>
                   </a:solidFill>
@@ -7118,7 +7115,7 @@
             </a:ln>
             <a:extLst>
               <a:ext uri="{91240B29-F687-4f45-9708-019B960494DF}">
-                <a14:hiddenLine xmlns:a14="http://schemas.microsoft.com/office/drawing/2010/main" xmlns="" w="9525">
+                <a14:hiddenLine xmlns="" xmlns:a14="http://schemas.microsoft.com/office/drawing/2010/main" w="9525">
                   <a:solidFill>
                     <a:srgbClr val="000000"/>
                   </a:solidFill>
@@ -7208,7 +7205,7 @@
             </a:ln>
             <a:extLst>
               <a:ext uri="{91240B29-F687-4f45-9708-019B960494DF}">
-                <a14:hiddenLine xmlns:a14="http://schemas.microsoft.com/office/drawing/2010/main" xmlns="" w="9525">
+                <a14:hiddenLine xmlns="" xmlns:a14="http://schemas.microsoft.com/office/drawing/2010/main" w="9525">
                   <a:solidFill>
                     <a:srgbClr val="000000"/>
                   </a:solidFill>
@@ -7270,7 +7267,7 @@
             </a:ln>
             <a:extLst>
               <a:ext uri="{91240B29-F687-4f45-9708-019B960494DF}">
-                <a14:hiddenLine xmlns:a14="http://schemas.microsoft.com/office/drawing/2010/main" xmlns="" w="9525">
+                <a14:hiddenLine xmlns="" xmlns:a14="http://schemas.microsoft.com/office/drawing/2010/main" w="9525">
                   <a:solidFill>
                     <a:srgbClr val="000000"/>
                   </a:solidFill>
@@ -7360,7 +7357,7 @@
             </a:ln>
             <a:extLst>
               <a:ext uri="{91240B29-F687-4f45-9708-019B960494DF}">
-                <a14:hiddenLine xmlns:a14="http://schemas.microsoft.com/office/drawing/2010/main" xmlns="" w="9525">
+                <a14:hiddenLine xmlns="" xmlns:a14="http://schemas.microsoft.com/office/drawing/2010/main" w="9525">
                   <a:solidFill>
                     <a:srgbClr val="000000"/>
                   </a:solidFill>
@@ -7422,7 +7419,7 @@
             </a:ln>
             <a:extLst>
               <a:ext uri="{91240B29-F687-4f45-9708-019B960494DF}">
-                <a14:hiddenLine xmlns:a14="http://schemas.microsoft.com/office/drawing/2010/main" xmlns="" w="9525">
+                <a14:hiddenLine xmlns="" xmlns:a14="http://schemas.microsoft.com/office/drawing/2010/main" w="9525">
                   <a:solidFill>
                     <a:srgbClr val="000000"/>
                   </a:solidFill>
@@ -7512,7 +7509,7 @@
             </a:ln>
             <a:extLst>
               <a:ext uri="{91240B29-F687-4f45-9708-019B960494DF}">
-                <a14:hiddenLine xmlns:a14="http://schemas.microsoft.com/office/drawing/2010/main" xmlns="" w="9525">
+                <a14:hiddenLine xmlns="" xmlns:a14="http://schemas.microsoft.com/office/drawing/2010/main" w="9525">
                   <a:solidFill>
                     <a:srgbClr val="000000"/>
                   </a:solidFill>
@@ -7546,7 +7543,7 @@
             </a:ln>
             <a:extLst>
               <a:ext uri="{91240B29-F687-4f45-9708-019B960494DF}">
-                <a14:hiddenLine xmlns:a14="http://schemas.microsoft.com/office/drawing/2010/main" xmlns="" w="9525">
+                <a14:hiddenLine xmlns="" xmlns:a14="http://schemas.microsoft.com/office/drawing/2010/main" w="9525">
                   <a:solidFill>
                     <a:srgbClr val="000000"/>
                   </a:solidFill>
@@ -7611,7 +7608,7 @@
             </a:ln>
             <a:extLst>
               <a:ext uri="{91240B29-F687-4f45-9708-019B960494DF}">
-                <a14:hiddenLine xmlns:a14="http://schemas.microsoft.com/office/drawing/2010/main" xmlns="" w="9525">
+                <a14:hiddenLine xmlns="" xmlns:a14="http://schemas.microsoft.com/office/drawing/2010/main" w="9525">
                   <a:solidFill>
                     <a:srgbClr val="000000"/>
                   </a:solidFill>
@@ -7701,7 +7698,7 @@
             </a:ln>
             <a:extLst>
               <a:ext uri="{91240B29-F687-4f45-9708-019B960494DF}">
-                <a14:hiddenLine xmlns:a14="http://schemas.microsoft.com/office/drawing/2010/main" xmlns="" w="9525">
+                <a14:hiddenLine xmlns="" xmlns:a14="http://schemas.microsoft.com/office/drawing/2010/main" w="9525">
                   <a:solidFill>
                     <a:srgbClr val="000000"/>
                   </a:solidFill>
@@ -7763,7 +7760,7 @@
             </a:ln>
             <a:extLst>
               <a:ext uri="{91240B29-F687-4f45-9708-019B960494DF}">
-                <a14:hiddenLine xmlns:a14="http://schemas.microsoft.com/office/drawing/2010/main" xmlns="" w="9525">
+                <a14:hiddenLine xmlns="" xmlns:a14="http://schemas.microsoft.com/office/drawing/2010/main" w="9525">
                   <a:solidFill>
                     <a:srgbClr val="000000"/>
                   </a:solidFill>
@@ -7853,7 +7850,7 @@
             </a:ln>
             <a:extLst>
               <a:ext uri="{91240B29-F687-4f45-9708-019B960494DF}">
-                <a14:hiddenLine xmlns:a14="http://schemas.microsoft.com/office/drawing/2010/main" xmlns="" w="9525">
+                <a14:hiddenLine xmlns="" xmlns:a14="http://schemas.microsoft.com/office/drawing/2010/main" w="9525">
                   <a:solidFill>
                     <a:srgbClr val="000000"/>
                   </a:solidFill>
@@ -7943,7 +7940,7 @@
             </a:ln>
             <a:extLst>
               <a:ext uri="{91240B29-F687-4f45-9708-019B960494DF}">
-                <a14:hiddenLine xmlns:a14="http://schemas.microsoft.com/office/drawing/2010/main" xmlns="" w="9525">
+                <a14:hiddenLine xmlns="" xmlns:a14="http://schemas.microsoft.com/office/drawing/2010/main" w="9525">
                   <a:solidFill>
                     <a:srgbClr val="000000"/>
                   </a:solidFill>
@@ -8008,7 +8005,7 @@
             </a:ln>
             <a:extLst>
               <a:ext uri="{91240B29-F687-4f45-9708-019B960494DF}">
-                <a14:hiddenLine xmlns:a14="http://schemas.microsoft.com/office/drawing/2010/main" xmlns="" w="9525">
+                <a14:hiddenLine xmlns="" xmlns:a14="http://schemas.microsoft.com/office/drawing/2010/main" w="9525">
                   <a:solidFill>
                     <a:srgbClr val="000000"/>
                   </a:solidFill>
@@ -8070,7 +8067,7 @@
             </a:ln>
             <a:extLst>
               <a:ext uri="{91240B29-F687-4f45-9708-019B960494DF}">
-                <a14:hiddenLine xmlns:a14="http://schemas.microsoft.com/office/drawing/2010/main" xmlns="" w="9525">
+                <a14:hiddenLine xmlns="" xmlns:a14="http://schemas.microsoft.com/office/drawing/2010/main" w="9525">
                   <a:solidFill>
                     <a:srgbClr val="000000"/>
                   </a:solidFill>
@@ -8160,7 +8157,7 @@
             </a:ln>
             <a:extLst>
               <a:ext uri="{91240B29-F687-4f45-9708-019B960494DF}">
-                <a14:hiddenLine xmlns:a14="http://schemas.microsoft.com/office/drawing/2010/main" xmlns="" w="9525">
+                <a14:hiddenLine xmlns="" xmlns:a14="http://schemas.microsoft.com/office/drawing/2010/main" w="9525">
                   <a:solidFill>
                     <a:srgbClr val="000000"/>
                   </a:solidFill>
@@ -8250,7 +8247,7 @@
             </a:ln>
             <a:extLst>
               <a:ext uri="{91240B29-F687-4f45-9708-019B960494DF}">
-                <a14:hiddenLine xmlns:a14="http://schemas.microsoft.com/office/drawing/2010/main" xmlns="" w="9525">
+                <a14:hiddenLine xmlns="" xmlns:a14="http://schemas.microsoft.com/office/drawing/2010/main" w="9525">
                   <a:solidFill>
                     <a:srgbClr val="000000"/>
                   </a:solidFill>
@@ -8312,7 +8309,7 @@
             </a:ln>
             <a:extLst>
               <a:ext uri="{91240B29-F687-4f45-9708-019B960494DF}">
-                <a14:hiddenLine xmlns:a14="http://schemas.microsoft.com/office/drawing/2010/main" xmlns="" w="9525">
+                <a14:hiddenLine xmlns="" xmlns:a14="http://schemas.microsoft.com/office/drawing/2010/main" w="9525">
                   <a:solidFill>
                     <a:srgbClr val="000000"/>
                   </a:solidFill>
@@ -8432,7 +8429,7 @@
             </a:ln>
             <a:extLst>
               <a:ext uri="{91240B29-F687-4f45-9708-019B960494DF}">
-                <a14:hiddenLine xmlns:a14="http://schemas.microsoft.com/office/drawing/2010/main" xmlns="" w="9525">
+                <a14:hiddenLine xmlns="" xmlns:a14="http://schemas.microsoft.com/office/drawing/2010/main" w="9525">
                   <a:solidFill>
                     <a:srgbClr val="000000"/>
                   </a:solidFill>
@@ -8500,7 +8497,7 @@
             </a:ln>
             <a:extLst>
               <a:ext uri="{91240B29-F687-4f45-9708-019B960494DF}">
-                <a14:hiddenLine xmlns:a14="http://schemas.microsoft.com/office/drawing/2010/main" xmlns="" w="9525">
+                <a14:hiddenLine xmlns="" xmlns:a14="http://schemas.microsoft.com/office/drawing/2010/main" w="9525">
                   <a:solidFill>
                     <a:srgbClr val="000000"/>
                   </a:solidFill>
@@ -8590,7 +8587,7 @@
             </a:ln>
             <a:extLst>
               <a:ext uri="{91240B29-F687-4f45-9708-019B960494DF}">
-                <a14:hiddenLine xmlns:a14="http://schemas.microsoft.com/office/drawing/2010/main" xmlns="" w="9525">
+                <a14:hiddenLine xmlns="" xmlns:a14="http://schemas.microsoft.com/office/drawing/2010/main" w="9525">
                   <a:solidFill>
                     <a:srgbClr val="000000"/>
                   </a:solidFill>
@@ -8730,7 +8727,7 @@
           <a:p>
             <a:fld id="{48A87A34-81AB-432B-8DAE-1953F412C126}" type="datetimeFigureOut">
               <a:rPr lang="en-US" dirty="0"/>
-              <a:t>6/21/2018</a:t>
+              <a:t>9/6/2018</a:t>
             </a:fld>
             <a:endParaRPr lang="en-US" dirty="0"/>
           </a:p>
@@ -8992,7 +8989,7 @@
           <a:p>
             <a:fld id="{48A87A34-81AB-432B-8DAE-1953F412C126}" type="datetimeFigureOut">
               <a:rPr lang="en-US" dirty="0"/>
-              <a:t>6/21/2018</a:t>
+              <a:t>9/6/2018</a:t>
             </a:fld>
             <a:endParaRPr lang="en-US" dirty="0"/>
           </a:p>
@@ -9183,7 +9180,7 @@
           <a:p>
             <a:fld id="{48A87A34-81AB-432B-8DAE-1953F412C126}" type="datetimeFigureOut">
               <a:rPr lang="en-US" dirty="0"/>
-              <a:t>6/21/2018</a:t>
+              <a:t>9/6/2018</a:t>
             </a:fld>
             <a:endParaRPr lang="en-US" dirty="0"/>
           </a:p>
@@ -9441,7 +9438,7 @@
           <a:p>
             <a:fld id="{48A87A34-81AB-432B-8DAE-1953F412C126}" type="datetimeFigureOut">
               <a:rPr lang="en-US" dirty="0"/>
-              <a:t>6/21/2018</a:t>
+              <a:t>9/6/2018</a:t>
             </a:fld>
             <a:endParaRPr lang="en-US" dirty="0"/>
           </a:p>
@@ -9870,7 +9867,7 @@
           <a:p>
             <a:fld id="{48A87A34-81AB-432B-8DAE-1953F412C126}" type="datetimeFigureOut">
               <a:rPr lang="en-US" dirty="0"/>
-              <a:t>6/21/2018</a:t>
+              <a:t>9/6/2018</a:t>
             </a:fld>
             <a:endParaRPr lang="en-US" dirty="0"/>
           </a:p>
@@ -10411,7 +10408,7 @@
           <a:p>
             <a:fld id="{48A87A34-81AB-432B-8DAE-1953F412C126}" type="datetimeFigureOut">
               <a:rPr lang="en-US" dirty="0"/>
-              <a:t>6/21/2018</a:t>
+              <a:t>9/6/2018</a:t>
             </a:fld>
             <a:endParaRPr lang="en-US" dirty="0"/>
           </a:p>
@@ -11126,7 +11123,7 @@
           <a:p>
             <a:fld id="{48A87A34-81AB-432B-8DAE-1953F412C126}" type="datetimeFigureOut">
               <a:rPr lang="en-US" dirty="0"/>
-              <a:t>6/21/2018</a:t>
+              <a:t>9/6/2018</a:t>
             </a:fld>
             <a:endParaRPr lang="en-US" dirty="0"/>
           </a:p>
@@ -11291,7 +11288,7 @@
           <a:p>
             <a:fld id="{48A87A34-81AB-432B-8DAE-1953F412C126}" type="datetimeFigureOut">
               <a:rPr lang="en-US" dirty="0"/>
-              <a:t>6/21/2018</a:t>
+              <a:t>9/6/2018</a:t>
             </a:fld>
             <a:endParaRPr lang="en-US" dirty="0"/>
           </a:p>
@@ -11466,7 +11463,7 @@
           <a:p>
             <a:fld id="{48A87A34-81AB-432B-8DAE-1953F412C126}" type="datetimeFigureOut">
               <a:rPr lang="en-US" dirty="0"/>
-              <a:t>6/21/2018</a:t>
+              <a:t>9/6/2018</a:t>
             </a:fld>
             <a:endParaRPr lang="en-US" dirty="0"/>
           </a:p>
@@ -11631,7 +11628,7 @@
           <a:p>
             <a:fld id="{48A87A34-81AB-432B-8DAE-1953F412C126}" type="datetimeFigureOut">
               <a:rPr lang="en-US" dirty="0"/>
-              <a:t>6/21/2018</a:t>
+              <a:t>9/6/2018</a:t>
             </a:fld>
             <a:endParaRPr lang="en-US" dirty="0"/>
           </a:p>
@@ -11876,7 +11873,7 @@
           <a:p>
             <a:fld id="{48A87A34-81AB-432B-8DAE-1953F412C126}" type="datetimeFigureOut">
               <a:rPr lang="en-US" dirty="0"/>
-              <a:t>6/21/2018</a:t>
+              <a:t>9/6/2018</a:t>
             </a:fld>
             <a:endParaRPr lang="en-US" dirty="0"/>
           </a:p>
@@ -12103,7 +12100,7 @@
           <a:p>
             <a:fld id="{48A87A34-81AB-432B-8DAE-1953F412C126}" type="datetimeFigureOut">
               <a:rPr lang="en-US" dirty="0"/>
-              <a:t>6/21/2018</a:t>
+              <a:t>9/6/2018</a:t>
             </a:fld>
             <a:endParaRPr lang="en-US" dirty="0"/>
           </a:p>
@@ -12479,7 +12476,7 @@
           <a:p>
             <a:fld id="{48A87A34-81AB-432B-8DAE-1953F412C126}" type="datetimeFigureOut">
               <a:rPr lang="en-US" dirty="0"/>
-              <a:t>6/21/2018</a:t>
+              <a:t>9/6/2018</a:t>
             </a:fld>
             <a:endParaRPr lang="en-US" dirty="0"/>
           </a:p>
@@ -12592,7 +12589,7 @@
           <a:p>
             <a:fld id="{48A87A34-81AB-432B-8DAE-1953F412C126}" type="datetimeFigureOut">
               <a:rPr lang="en-US" dirty="0"/>
-              <a:t>6/21/2018</a:t>
+              <a:t>9/6/2018</a:t>
             </a:fld>
             <a:endParaRPr lang="en-US" dirty="0"/>
           </a:p>
@@ -12682,7 +12679,7 @@
           <a:p>
             <a:fld id="{48A87A34-81AB-432B-8DAE-1953F412C126}" type="datetimeFigureOut">
               <a:rPr lang="en-US" dirty="0"/>
-              <a:t>6/21/2018</a:t>
+              <a:t>9/6/2018</a:t>
             </a:fld>
             <a:endParaRPr lang="en-US" dirty="0"/>
           </a:p>
@@ -12926,7 +12923,7 @@
           <a:p>
             <a:fld id="{48A87A34-81AB-432B-8DAE-1953F412C126}" type="datetimeFigureOut">
               <a:rPr lang="en-US" dirty="0"/>
-              <a:t>6/21/2018</a:t>
+              <a:t>9/6/2018</a:t>
             </a:fld>
             <a:endParaRPr lang="en-US" dirty="0"/>
           </a:p>
@@ -13201,7 +13198,7 @@
           <a:p>
             <a:fld id="{48A87A34-81AB-432B-8DAE-1953F412C126}" type="datetimeFigureOut">
               <a:rPr lang="en-US" dirty="0"/>
-              <a:t>6/21/2018</a:t>
+              <a:t>9/6/2018</a:t>
             </a:fld>
             <a:endParaRPr lang="en-US" dirty="0"/>
           </a:p>
@@ -13319,7 +13316,7 @@
           <a:noFill/>
           <a:extLst>
             <a:ext uri="{909E8E84-426E-40dd-AFC4-6F175D3DCCD1}">
-              <a14:hiddenFill xmlns:a14="http://schemas.microsoft.com/office/drawing/2010/main" xmlns="">
+              <a14:hiddenFill xmlns="" xmlns:a14="http://schemas.microsoft.com/office/drawing/2010/main">
                 <a:solidFill>
                   <a:srgbClr val="FFFFFF"/>
                 </a:solidFill>
@@ -13393,7 +13390,7 @@
               </a:ln>
               <a:extLst>
                 <a:ext uri="{91240B29-F687-4f45-9708-019B960494DF}">
-                  <a14:hiddenLine xmlns:a14="http://schemas.microsoft.com/office/drawing/2010/main" xmlns="" w="9525">
+                  <a14:hiddenLine xmlns="" xmlns:a14="http://schemas.microsoft.com/office/drawing/2010/main" w="9525">
                     <a:solidFill>
                       <a:srgbClr val="000000"/>
                     </a:solidFill>
@@ -13483,7 +13480,7 @@
               </a:ln>
               <a:extLst>
                 <a:ext uri="{91240B29-F687-4f45-9708-019B960494DF}">
-                  <a14:hiddenLine xmlns:a14="http://schemas.microsoft.com/office/drawing/2010/main" xmlns="" w="9525">
+                  <a14:hiddenLine xmlns="" xmlns:a14="http://schemas.microsoft.com/office/drawing/2010/main" w="9525">
                     <a:solidFill>
                       <a:srgbClr val="000000"/>
                     </a:solidFill>
@@ -13573,7 +13570,7 @@
               </a:ln>
               <a:extLst>
                 <a:ext uri="{91240B29-F687-4f45-9708-019B960494DF}">
-                  <a14:hiddenLine xmlns:a14="http://schemas.microsoft.com/office/drawing/2010/main" xmlns="" w="9525">
+                  <a14:hiddenLine xmlns="" xmlns:a14="http://schemas.microsoft.com/office/drawing/2010/main" w="9525">
                     <a:solidFill>
                       <a:srgbClr val="000000"/>
                     </a:solidFill>
@@ -13635,7 +13632,7 @@
               </a:ln>
               <a:extLst>
                 <a:ext uri="{91240B29-F687-4f45-9708-019B960494DF}">
-                  <a14:hiddenLine xmlns:a14="http://schemas.microsoft.com/office/drawing/2010/main" xmlns="" w="9525">
+                  <a14:hiddenLine xmlns="" xmlns:a14="http://schemas.microsoft.com/office/drawing/2010/main" w="9525">
                     <a:solidFill>
                       <a:srgbClr val="000000"/>
                     </a:solidFill>
@@ -13725,7 +13722,7 @@
               </a:ln>
               <a:extLst>
                 <a:ext uri="{91240B29-F687-4f45-9708-019B960494DF}">
-                  <a14:hiddenLine xmlns:a14="http://schemas.microsoft.com/office/drawing/2010/main" xmlns="" w="9525">
+                  <a14:hiddenLine xmlns="" xmlns:a14="http://schemas.microsoft.com/office/drawing/2010/main" w="9525">
                     <a:solidFill>
                       <a:srgbClr val="000000"/>
                     </a:solidFill>
@@ -13787,7 +13784,7 @@
               </a:ln>
               <a:extLst>
                 <a:ext uri="{91240B29-F687-4f45-9708-019B960494DF}">
-                  <a14:hiddenLine xmlns:a14="http://schemas.microsoft.com/office/drawing/2010/main" xmlns="" w="9525">
+                  <a14:hiddenLine xmlns="" xmlns:a14="http://schemas.microsoft.com/office/drawing/2010/main" w="9525">
                     <a:solidFill>
                       <a:srgbClr val="000000"/>
                     </a:solidFill>
@@ -13849,7 +13846,7 @@
               </a:ln>
               <a:extLst>
                 <a:ext uri="{91240B29-F687-4f45-9708-019B960494DF}">
-                  <a14:hiddenLine xmlns:a14="http://schemas.microsoft.com/office/drawing/2010/main" xmlns="" w="9525">
+                  <a14:hiddenLine xmlns="" xmlns:a14="http://schemas.microsoft.com/office/drawing/2010/main" w="9525">
                     <a:solidFill>
                       <a:srgbClr val="000000"/>
                     </a:solidFill>
@@ -13939,7 +13936,7 @@
               </a:ln>
               <a:extLst>
                 <a:ext uri="{91240B29-F687-4f45-9708-019B960494DF}">
-                  <a14:hiddenLine xmlns:a14="http://schemas.microsoft.com/office/drawing/2010/main" xmlns="" w="9525">
+                  <a14:hiddenLine xmlns="" xmlns:a14="http://schemas.microsoft.com/office/drawing/2010/main" w="9525">
                     <a:solidFill>
                       <a:srgbClr val="000000"/>
                     </a:solidFill>
@@ -14029,7 +14026,7 @@
               </a:ln>
               <a:extLst>
                 <a:ext uri="{91240B29-F687-4f45-9708-019B960494DF}">
-                  <a14:hiddenLine xmlns:a14="http://schemas.microsoft.com/office/drawing/2010/main" xmlns="" w="9525">
+                  <a14:hiddenLine xmlns="" xmlns:a14="http://schemas.microsoft.com/office/drawing/2010/main" w="9525">
                     <a:solidFill>
                       <a:srgbClr val="000000"/>
                     </a:solidFill>
@@ -14091,7 +14088,7 @@
               </a:ln>
               <a:extLst>
                 <a:ext uri="{91240B29-F687-4f45-9708-019B960494DF}">
-                  <a14:hiddenLine xmlns:a14="http://schemas.microsoft.com/office/drawing/2010/main" xmlns="" w="9525">
+                  <a14:hiddenLine xmlns="" xmlns:a14="http://schemas.microsoft.com/office/drawing/2010/main" w="9525">
                     <a:solidFill>
                       <a:srgbClr val="000000"/>
                     </a:solidFill>
@@ -14201,7 +14198,7 @@
               </a:ln>
               <a:extLst>
                 <a:ext uri="{91240B29-F687-4f45-9708-019B960494DF}">
-                  <a14:hiddenLine xmlns:a14="http://schemas.microsoft.com/office/drawing/2010/main" xmlns="" w="9525">
+                  <a14:hiddenLine xmlns="" xmlns:a14="http://schemas.microsoft.com/office/drawing/2010/main" w="9525">
                     <a:solidFill>
                       <a:srgbClr val="000000"/>
                     </a:solidFill>
@@ -14285,7 +14282,7 @@
               </a:ln>
               <a:extLst>
                 <a:ext uri="{91240B29-F687-4f45-9708-019B960494DF}">
-                  <a14:hiddenLine xmlns:a14="http://schemas.microsoft.com/office/drawing/2010/main" xmlns="" w="9525">
+                  <a14:hiddenLine xmlns="" xmlns:a14="http://schemas.microsoft.com/office/drawing/2010/main" w="9525">
                     <a:solidFill>
                       <a:srgbClr val="000000"/>
                     </a:solidFill>
@@ -14347,7 +14344,7 @@
               </a:ln>
               <a:extLst>
                 <a:ext uri="{91240B29-F687-4f45-9708-019B960494DF}">
-                  <a14:hiddenLine xmlns:a14="http://schemas.microsoft.com/office/drawing/2010/main" xmlns="" w="9525">
+                  <a14:hiddenLine xmlns="" xmlns:a14="http://schemas.microsoft.com/office/drawing/2010/main" w="9525">
                     <a:solidFill>
                       <a:srgbClr val="000000"/>
                     </a:solidFill>
@@ -14409,7 +14406,7 @@
               </a:ln>
               <a:extLst>
                 <a:ext uri="{91240B29-F687-4f45-9708-019B960494DF}">
-                  <a14:hiddenLine xmlns:a14="http://schemas.microsoft.com/office/drawing/2010/main" xmlns="" w="9525">
+                  <a14:hiddenLine xmlns="" xmlns:a14="http://schemas.microsoft.com/office/drawing/2010/main" w="9525">
                     <a:solidFill>
                       <a:srgbClr val="000000"/>
                     </a:solidFill>
@@ -14499,7 +14496,7 @@
               </a:ln>
               <a:extLst>
                 <a:ext uri="{91240B29-F687-4f45-9708-019B960494DF}">
-                  <a14:hiddenLine xmlns:a14="http://schemas.microsoft.com/office/drawing/2010/main" xmlns="" w="9525">
+                  <a14:hiddenLine xmlns="" xmlns:a14="http://schemas.microsoft.com/office/drawing/2010/main" w="9525">
                     <a:solidFill>
                       <a:srgbClr val="000000"/>
                     </a:solidFill>
@@ -14533,7 +14530,7 @@
               </a:ln>
               <a:extLst>
                 <a:ext uri="{91240B29-F687-4f45-9708-019B960494DF}">
-                  <a14:hiddenLine xmlns:a14="http://schemas.microsoft.com/office/drawing/2010/main" xmlns="" w="9525">
+                  <a14:hiddenLine xmlns="" xmlns:a14="http://schemas.microsoft.com/office/drawing/2010/main" w="9525">
                     <a:solidFill>
                       <a:srgbClr val="000000"/>
                     </a:solidFill>
@@ -14598,7 +14595,7 @@
               </a:ln>
               <a:extLst>
                 <a:ext uri="{91240B29-F687-4f45-9708-019B960494DF}">
-                  <a14:hiddenLine xmlns:a14="http://schemas.microsoft.com/office/drawing/2010/main" xmlns="" w="9525">
+                  <a14:hiddenLine xmlns="" xmlns:a14="http://schemas.microsoft.com/office/drawing/2010/main" w="9525">
                     <a:solidFill>
                       <a:srgbClr val="000000"/>
                     </a:solidFill>
@@ -14688,7 +14685,7 @@
               </a:ln>
               <a:extLst>
                 <a:ext uri="{91240B29-F687-4f45-9708-019B960494DF}">
-                  <a14:hiddenLine xmlns:a14="http://schemas.microsoft.com/office/drawing/2010/main" xmlns="" w="9525">
+                  <a14:hiddenLine xmlns="" xmlns:a14="http://schemas.microsoft.com/office/drawing/2010/main" w="9525">
                     <a:solidFill>
                       <a:srgbClr val="000000"/>
                     </a:solidFill>
@@ -14750,7 +14747,7 @@
               </a:ln>
               <a:extLst>
                 <a:ext uri="{91240B29-F687-4f45-9708-019B960494DF}">
-                  <a14:hiddenLine xmlns:a14="http://schemas.microsoft.com/office/drawing/2010/main" xmlns="" w="9525">
+                  <a14:hiddenLine xmlns="" xmlns:a14="http://schemas.microsoft.com/office/drawing/2010/main" w="9525">
                     <a:solidFill>
                       <a:srgbClr val="000000"/>
                     </a:solidFill>
@@ -14840,7 +14837,7 @@
               </a:ln>
               <a:extLst>
                 <a:ext uri="{91240B29-F687-4f45-9708-019B960494DF}">
-                  <a14:hiddenLine xmlns:a14="http://schemas.microsoft.com/office/drawing/2010/main" xmlns="" w="9525">
+                  <a14:hiddenLine xmlns="" xmlns:a14="http://schemas.microsoft.com/office/drawing/2010/main" w="9525">
                     <a:solidFill>
                       <a:srgbClr val="000000"/>
                     </a:solidFill>
@@ -14905,7 +14902,7 @@
               </a:ln>
               <a:extLst>
                 <a:ext uri="{91240B29-F687-4f45-9708-019B960494DF}">
-                  <a14:hiddenLine xmlns:a14="http://schemas.microsoft.com/office/drawing/2010/main" xmlns="" w="9525">
+                  <a14:hiddenLine xmlns="" xmlns:a14="http://schemas.microsoft.com/office/drawing/2010/main" w="9525">
                     <a:solidFill>
                       <a:srgbClr val="000000"/>
                     </a:solidFill>
@@ -14967,7 +14964,7 @@
               </a:ln>
               <a:extLst>
                 <a:ext uri="{91240B29-F687-4f45-9708-019B960494DF}">
-                  <a14:hiddenLine xmlns:a14="http://schemas.microsoft.com/office/drawing/2010/main" xmlns="" w="9525">
+                  <a14:hiddenLine xmlns="" xmlns:a14="http://schemas.microsoft.com/office/drawing/2010/main" w="9525">
                     <a:solidFill>
                       <a:srgbClr val="000000"/>
                     </a:solidFill>
@@ -15057,7 +15054,7 @@
               </a:ln>
               <a:extLst>
                 <a:ext uri="{91240B29-F687-4f45-9708-019B960494DF}">
-                  <a14:hiddenLine xmlns:a14="http://schemas.microsoft.com/office/drawing/2010/main" xmlns="" w="9525">
+                  <a14:hiddenLine xmlns="" xmlns:a14="http://schemas.microsoft.com/office/drawing/2010/main" w="9525">
                     <a:solidFill>
                       <a:srgbClr val="000000"/>
                     </a:solidFill>
@@ -15147,7 +15144,7 @@
               </a:ln>
               <a:extLst>
                 <a:ext uri="{91240B29-F687-4f45-9708-019B960494DF}">
-                  <a14:hiddenLine xmlns:a14="http://schemas.microsoft.com/office/drawing/2010/main" xmlns="" w="9525">
+                  <a14:hiddenLine xmlns="" xmlns:a14="http://schemas.microsoft.com/office/drawing/2010/main" w="9525">
                     <a:solidFill>
                       <a:srgbClr val="000000"/>
                     </a:solidFill>
@@ -15212,7 +15209,7 @@
               </a:ln>
               <a:extLst>
                 <a:ext uri="{91240B29-F687-4f45-9708-019B960494DF}">
-                  <a14:hiddenLine xmlns:a14="http://schemas.microsoft.com/office/drawing/2010/main" xmlns="" w="9525">
+                  <a14:hiddenLine xmlns="" xmlns:a14="http://schemas.microsoft.com/office/drawing/2010/main" w="9525">
                     <a:solidFill>
                       <a:srgbClr val="000000"/>
                     </a:solidFill>
@@ -15332,7 +15329,7 @@
               </a:ln>
               <a:extLst>
                 <a:ext uri="{91240B29-F687-4f45-9708-019B960494DF}">
-                  <a14:hiddenLine xmlns:a14="http://schemas.microsoft.com/office/drawing/2010/main" xmlns="" w="9525">
+                  <a14:hiddenLine xmlns="" xmlns:a14="http://schemas.microsoft.com/office/drawing/2010/main" w="9525">
                     <a:solidFill>
                       <a:srgbClr val="000000"/>
                     </a:solidFill>
@@ -15413,7 +15410,7 @@
               </a:ln>
               <a:extLst>
                 <a:ext uri="{91240B29-F687-4f45-9708-019B960494DF}">
-                  <a14:hiddenLine xmlns:a14="http://schemas.microsoft.com/office/drawing/2010/main" xmlns="" w="9525">
+                  <a14:hiddenLine xmlns="" xmlns:a14="http://schemas.microsoft.com/office/drawing/2010/main" w="9525">
                     <a:solidFill>
                       <a:srgbClr val="000000"/>
                     </a:solidFill>
@@ -15528,7 +15525,7 @@
               </a:ln>
               <a:extLst>
                 <a:ext uri="{91240B29-F687-4f45-9708-019B960494DF}">
-                  <a14:hiddenLine xmlns:a14="http://schemas.microsoft.com/office/drawing/2010/main" xmlns="" w="9525">
+                  <a14:hiddenLine xmlns="" xmlns:a14="http://schemas.microsoft.com/office/drawing/2010/main" w="9525">
                     <a:solidFill>
                       <a:srgbClr val="000000"/>
                     </a:solidFill>
@@ -15618,7 +15615,7 @@
               </a:ln>
               <a:extLst>
                 <a:ext uri="{91240B29-F687-4f45-9708-019B960494DF}">
-                  <a14:hiddenLine xmlns:a14="http://schemas.microsoft.com/office/drawing/2010/main" xmlns="" w="9525">
+                  <a14:hiddenLine xmlns="" xmlns:a14="http://schemas.microsoft.com/office/drawing/2010/main" w="9525">
                     <a:solidFill>
                       <a:srgbClr val="000000"/>
                     </a:solidFill>
@@ -15683,7 +15680,7 @@
               </a:ln>
               <a:extLst>
                 <a:ext uri="{91240B29-F687-4f45-9708-019B960494DF}">
-                  <a14:hiddenLine xmlns:a14="http://schemas.microsoft.com/office/drawing/2010/main" xmlns="" w="9525">
+                  <a14:hiddenLine xmlns="" xmlns:a14="http://schemas.microsoft.com/office/drawing/2010/main" w="9525">
                     <a:solidFill>
                       <a:srgbClr val="000000"/>
                     </a:solidFill>
@@ -15773,7 +15770,7 @@
               </a:ln>
               <a:extLst>
                 <a:ext uri="{91240B29-F687-4f45-9708-019B960494DF}">
-                  <a14:hiddenLine xmlns:a14="http://schemas.microsoft.com/office/drawing/2010/main" xmlns="" w="9525">
+                  <a14:hiddenLine xmlns="" xmlns:a14="http://schemas.microsoft.com/office/drawing/2010/main" w="9525">
                     <a:solidFill>
                       <a:srgbClr val="000000"/>
                     </a:solidFill>
@@ -15841,7 +15838,7 @@
               </a:ln>
               <a:extLst>
                 <a:ext uri="{91240B29-F687-4f45-9708-019B960494DF}">
-                  <a14:hiddenLine xmlns:a14="http://schemas.microsoft.com/office/drawing/2010/main" xmlns="" w="9525">
+                  <a14:hiddenLine xmlns="" xmlns:a14="http://schemas.microsoft.com/office/drawing/2010/main" w="9525">
                     <a:solidFill>
                       <a:srgbClr val="000000"/>
                     </a:solidFill>
@@ -15931,7 +15928,7 @@
               </a:ln>
               <a:extLst>
                 <a:ext uri="{91240B29-F687-4f45-9708-019B960494DF}">
-                  <a14:hiddenLine xmlns:a14="http://schemas.microsoft.com/office/drawing/2010/main" xmlns="" w="9525">
+                  <a14:hiddenLine xmlns="" xmlns:a14="http://schemas.microsoft.com/office/drawing/2010/main" w="9525">
                     <a:solidFill>
                       <a:srgbClr val="000000"/>
                     </a:solidFill>
@@ -15999,7 +15996,7 @@
               </a:ln>
               <a:extLst>
                 <a:ext uri="{91240B29-F687-4f45-9708-019B960494DF}">
-                  <a14:hiddenLine xmlns:a14="http://schemas.microsoft.com/office/drawing/2010/main" xmlns="" w="9525">
+                  <a14:hiddenLine xmlns="" xmlns:a14="http://schemas.microsoft.com/office/drawing/2010/main" w="9525">
                     <a:solidFill>
                       <a:srgbClr val="000000"/>
                     </a:solidFill>
@@ -16089,7 +16086,7 @@
               </a:ln>
               <a:extLst>
                 <a:ext uri="{91240B29-F687-4f45-9708-019B960494DF}">
-                  <a14:hiddenLine xmlns:a14="http://schemas.microsoft.com/office/drawing/2010/main" xmlns="" w="9525">
+                  <a14:hiddenLine xmlns="" xmlns:a14="http://schemas.microsoft.com/office/drawing/2010/main" w="9525">
                     <a:solidFill>
                       <a:srgbClr val="000000"/>
                     </a:solidFill>
@@ -16123,7 +16120,7 @@
               </a:ln>
               <a:extLst>
                 <a:ext uri="{91240B29-F687-4f45-9708-019B960494DF}">
-                  <a14:hiddenLine xmlns:a14="http://schemas.microsoft.com/office/drawing/2010/main" xmlns="" w="9525">
+                  <a14:hiddenLine xmlns="" xmlns:a14="http://schemas.microsoft.com/office/drawing/2010/main" w="9525">
                     <a:solidFill>
                       <a:srgbClr val="000000"/>
                     </a:solidFill>
@@ -16264,7 +16261,7 @@
             <a:fld id="{48A87A34-81AB-432B-8DAE-1953F412C126}" type="datetimeFigureOut">
               <a:rPr lang="en-US" dirty="0"/>
               <a:pPr/>
-              <a:t>6/21/2018</a:t>
+              <a:t>9/6/2018</a:t>
             </a:fld>
             <a:endParaRPr lang="en-US" dirty="0"/>
           </a:p>
